--- a/Certificado Diploma Premio.pptx
+++ b/Certificado Diploma Premio.pptx
@@ -320,7 +320,7 @@
             <a:fld id="{1D8BD707-D9CF-40AE-B4C6-C98DA3205C09}" type="datetimeFigureOut">
               <a:rPr lang="en-US" smtClean="0"/>
               <a:pPr/>
-              <a:t>2/17/2025</a:t>
+              <a:t>2/18/2025</a:t>
             </a:fld>
             <a:endParaRPr lang="en-US"/>
           </a:p>
@@ -485,7 +485,7 @@
             <a:fld id="{1D8BD707-D9CF-40AE-B4C6-C98DA3205C09}" type="datetimeFigureOut">
               <a:rPr lang="en-US" smtClean="0"/>
               <a:pPr/>
-              <a:t>2/17/2025</a:t>
+              <a:t>2/18/2025</a:t>
             </a:fld>
             <a:endParaRPr lang="en-US"/>
           </a:p>
@@ -660,7 +660,7 @@
             <a:fld id="{1D8BD707-D9CF-40AE-B4C6-C98DA3205C09}" type="datetimeFigureOut">
               <a:rPr lang="en-US" smtClean="0"/>
               <a:pPr/>
-              <a:t>2/17/2025</a:t>
+              <a:t>2/18/2025</a:t>
             </a:fld>
             <a:endParaRPr lang="en-US"/>
           </a:p>
@@ -825,7 +825,7 @@
             <a:fld id="{1D8BD707-D9CF-40AE-B4C6-C98DA3205C09}" type="datetimeFigureOut">
               <a:rPr lang="en-US" smtClean="0"/>
               <a:pPr/>
-              <a:t>2/17/2025</a:t>
+              <a:t>2/18/2025</a:t>
             </a:fld>
             <a:endParaRPr lang="en-US"/>
           </a:p>
@@ -1067,7 +1067,7 @@
             <a:fld id="{1D8BD707-D9CF-40AE-B4C6-C98DA3205C09}" type="datetimeFigureOut">
               <a:rPr lang="en-US" smtClean="0"/>
               <a:pPr/>
-              <a:t>2/17/2025</a:t>
+              <a:t>2/18/2025</a:t>
             </a:fld>
             <a:endParaRPr lang="en-US"/>
           </a:p>
@@ -1349,7 +1349,7 @@
             <a:fld id="{1D8BD707-D9CF-40AE-B4C6-C98DA3205C09}" type="datetimeFigureOut">
               <a:rPr lang="en-US" smtClean="0"/>
               <a:pPr/>
-              <a:t>2/17/2025</a:t>
+              <a:t>2/18/2025</a:t>
             </a:fld>
             <a:endParaRPr lang="en-US"/>
           </a:p>
@@ -1765,7 +1765,7 @@
             <a:fld id="{1D8BD707-D9CF-40AE-B4C6-C98DA3205C09}" type="datetimeFigureOut">
               <a:rPr lang="en-US" smtClean="0"/>
               <a:pPr/>
-              <a:t>2/17/2025</a:t>
+              <a:t>2/18/2025</a:t>
             </a:fld>
             <a:endParaRPr lang="en-US"/>
           </a:p>
@@ -1879,7 +1879,7 @@
             <a:fld id="{1D8BD707-D9CF-40AE-B4C6-C98DA3205C09}" type="datetimeFigureOut">
               <a:rPr lang="en-US" smtClean="0"/>
               <a:pPr/>
-              <a:t>2/17/2025</a:t>
+              <a:t>2/18/2025</a:t>
             </a:fld>
             <a:endParaRPr lang="en-US"/>
           </a:p>
@@ -1971,7 +1971,7 @@
             <a:fld id="{1D8BD707-D9CF-40AE-B4C6-C98DA3205C09}" type="datetimeFigureOut">
               <a:rPr lang="en-US" smtClean="0"/>
               <a:pPr/>
-              <a:t>2/17/2025</a:t>
+              <a:t>2/18/2025</a:t>
             </a:fld>
             <a:endParaRPr lang="en-US"/>
           </a:p>
@@ -2243,7 +2243,7 @@
             <a:fld id="{1D8BD707-D9CF-40AE-B4C6-C98DA3205C09}" type="datetimeFigureOut">
               <a:rPr lang="en-US" smtClean="0"/>
               <a:pPr/>
-              <a:t>2/17/2025</a:t>
+              <a:t>2/18/2025</a:t>
             </a:fld>
             <a:endParaRPr lang="en-US"/>
           </a:p>
@@ -2492,7 +2492,7 @@
             <a:fld id="{1D8BD707-D9CF-40AE-B4C6-C98DA3205C09}" type="datetimeFigureOut">
               <a:rPr lang="en-US" smtClean="0"/>
               <a:pPr/>
-              <a:t>2/17/2025</a:t>
+              <a:t>2/18/2025</a:t>
             </a:fld>
             <a:endParaRPr lang="en-US"/>
           </a:p>
@@ -2700,7 +2700,7 @@
             <a:fld id="{1D8BD707-D9CF-40AE-B4C6-C98DA3205C09}" type="datetimeFigureOut">
               <a:rPr lang="en-US" smtClean="0"/>
               <a:pPr/>
-              <a:t>2/17/2025</a:t>
+              <a:t>2/18/2025</a:t>
             </a:fld>
             <a:endParaRPr lang="en-US"/>
           </a:p>
@@ -3285,7 +3285,7 @@
         </p:nvSpPr>
         <p:spPr>
           <a:xfrm>
-            <a:off x="1670400" y="4295696"/>
+            <a:off x="1568733" y="4083050"/>
             <a:ext cx="7198345" cy="0"/>
           </a:xfrm>
           <a:prstGeom prst="line">
@@ -4011,7 +4011,7 @@
               </a:lnSpc>
             </a:pPr>
             <a:r>
-              <a:rPr lang="en-US" sz="6073" dirty="0">
+              <a:rPr lang="en-US" sz="5400" dirty="0">
                 <a:solidFill>
                   <a:srgbClr val="2E1A03"/>
                 </a:solidFill>
@@ -4023,7 +4023,7 @@
               <a:t>[</a:t>
             </a:r>
             <a:r>
-              <a:rPr lang="en-US" sz="6073" dirty="0" err="1">
+              <a:rPr lang="en-US" sz="5400" dirty="0" err="1">
                 <a:solidFill>
                   <a:srgbClr val="2E1A03"/>
                 </a:solidFill>
@@ -4035,7 +4035,7 @@
               <a:t>Nombre</a:t>
             </a:r>
             <a:r>
-              <a:rPr lang="en-US" sz="6073" dirty="0">
+              <a:rPr lang="en-US" sz="5400" dirty="0">
                 <a:solidFill>
                   <a:srgbClr val="2E1A03"/>
                 </a:solidFill>
@@ -4098,7 +4098,7 @@
         </p:nvSpPr>
         <p:spPr>
           <a:xfrm>
-            <a:off x="1080336" y="4395672"/>
+            <a:off x="1080332" y="4235910"/>
             <a:ext cx="8658511" cy="1124603"/>
           </a:xfrm>
           <a:prstGeom prst="rect">
@@ -4359,7 +4359,7 @@
         </p:nvSpPr>
         <p:spPr>
           <a:xfrm>
-            <a:off x="4639333" y="5189764"/>
+            <a:off x="4639331" y="5100976"/>
             <a:ext cx="1540515" cy="646331"/>
           </a:xfrm>
           <a:prstGeom prst="rect">

--- a/Certificado Diploma Premio.pptx
+++ b/Certificado Diploma Premio.pptx
@@ -11,19 +11,19 @@
   <p:notesSz cx="6858000" cy="9144000"/>
   <p:embeddedFontLst>
     <p:embeddedFont>
-      <p:font typeface="Allura" panose="020B0604020202020204" charset="0"/>
+      <p:font typeface="Calibri" panose="020F0502020204030204" pitchFamily="34" charset="0"/>
       <p:regular r:id="rId3"/>
-    </p:embeddedFont>
-    <p:embeddedFont>
-      <p:font typeface="Calibri" panose="020F0502020204030204" pitchFamily="34" charset="0"/>
-      <p:regular r:id="rId4"/>
-      <p:bold r:id="rId5"/>
-      <p:italic r:id="rId6"/>
-      <p:boldItalic r:id="rId7"/>
+      <p:bold r:id="rId4"/>
+      <p:italic r:id="rId5"/>
+      <p:boldItalic r:id="rId6"/>
     </p:embeddedFont>
     <p:embeddedFont>
       <p:font typeface="Petrona" panose="020B0604020202020204" charset="0"/>
-      <p:regular r:id="rId8"/>
+      <p:regular r:id="rId7"/>
+    </p:embeddedFont>
+    <p:embeddedFont>
+      <p:font typeface="Vivaldi" panose="03020602050506090804" pitchFamily="66" charset="0"/>
+      <p:italic r:id="rId8"/>
     </p:embeddedFont>
   </p:embeddedFontLst>
   <p:defaultTextStyle>
@@ -3227,13 +3227,1066 @@
       </p:sp>
       <p:sp>
         <p:nvSpPr>
+          <p:cNvPr id="6" name="AutoShape 6"/>
+          <p:cNvSpPr/>
+          <p:nvPr/>
+        </p:nvSpPr>
+        <p:spPr>
+          <a:xfrm flipV="1">
+            <a:off x="850900" y="4151592"/>
+            <a:ext cx="8887943" cy="7698"/>
+          </a:xfrm>
+          <a:prstGeom prst="line">
+            <a:avLst/>
+          </a:prstGeom>
+          <a:ln w="9525" cap="flat">
+            <a:solidFill>
+              <a:srgbClr val="D8901D"/>
+            </a:solidFill>
+            <a:prstDash val="solid"/>
+            <a:headEnd type="none" w="sm" len="sm"/>
+            <a:tailEnd type="none" w="sm" len="sm"/>
+          </a:ln>
+        </p:spPr>
+      </p:sp>
+      <p:sp>
+        <p:nvSpPr>
+          <p:cNvPr id="7" name="Freeform 7"/>
+          <p:cNvSpPr/>
+          <p:nvPr/>
+        </p:nvSpPr>
+        <p:spPr>
+          <a:xfrm>
+            <a:off x="8282145" y="282988"/>
+            <a:ext cx="2221188" cy="2221188"/>
+          </a:xfrm>
+          <a:custGeom>
+            <a:avLst/>
+            <a:gdLst/>
+            <a:ahLst/>
+            <a:cxnLst/>
+            <a:rect l="l" t="t" r="r" b="b"/>
+            <a:pathLst>
+              <a:path w="2221188" h="2221188">
+                <a:moveTo>
+                  <a:pt x="0" y="0"/>
+                </a:moveTo>
+                <a:lnTo>
+                  <a:pt x="2221189" y="0"/>
+                </a:lnTo>
+                <a:lnTo>
+                  <a:pt x="2221189" y="2221188"/>
+                </a:lnTo>
+                <a:lnTo>
+                  <a:pt x="0" y="2221188"/>
+                </a:lnTo>
+                <a:lnTo>
+                  <a:pt x="0" y="0"/>
+                </a:lnTo>
+                <a:close/>
+              </a:path>
+            </a:pathLst>
+          </a:custGeom>
+          <a:blipFill>
+            <a:blip r:embed="rId6">
+              <a:extLst>
+                <a:ext uri="{96DAC541-7B7A-43D3-8B79-37D633B846F1}">
+                  <asvg:svgBlip xmlns:asvg="http://schemas.microsoft.com/office/drawing/2016/SVG/main" r:embed="rId7"/>
+                </a:ext>
+              </a:extLst>
+            </a:blip>
+            <a:stretch>
+              <a:fillRect/>
+            </a:stretch>
+          </a:blipFill>
+        </p:spPr>
+      </p:sp>
+      <p:sp>
+        <p:nvSpPr>
+          <p:cNvPr id="8" name="Freeform 8"/>
+          <p:cNvSpPr/>
+          <p:nvPr/>
+        </p:nvSpPr>
+        <p:spPr>
+          <a:xfrm>
+            <a:off x="2657377" y="354988"/>
+            <a:ext cx="5446755" cy="188161"/>
+          </a:xfrm>
+          <a:custGeom>
+            <a:avLst/>
+            <a:gdLst/>
+            <a:ahLst/>
+            <a:cxnLst/>
+            <a:rect l="l" t="t" r="r" b="b"/>
+            <a:pathLst>
+              <a:path w="5446755" h="188161">
+                <a:moveTo>
+                  <a:pt x="0" y="0"/>
+                </a:moveTo>
+                <a:lnTo>
+                  <a:pt x="5446754" y="0"/>
+                </a:lnTo>
+                <a:lnTo>
+                  <a:pt x="5446754" y="188160"/>
+                </a:lnTo>
+                <a:lnTo>
+                  <a:pt x="0" y="188160"/>
+                </a:lnTo>
+                <a:lnTo>
+                  <a:pt x="0" y="0"/>
+                </a:lnTo>
+                <a:close/>
+              </a:path>
+            </a:pathLst>
+          </a:custGeom>
+          <a:blipFill>
+            <a:blip r:embed="rId8">
+              <a:extLst>
+                <a:ext uri="{96DAC541-7B7A-43D3-8B79-37D633B846F1}">
+                  <asvg:svgBlip xmlns:asvg="http://schemas.microsoft.com/office/drawing/2016/SVG/main" r:embed="rId9"/>
+                </a:ext>
+              </a:extLst>
+            </a:blip>
+            <a:stretch>
+              <a:fillRect/>
+            </a:stretch>
+          </a:blipFill>
+        </p:spPr>
+      </p:sp>
+      <p:sp>
+        <p:nvSpPr>
+          <p:cNvPr id="9" name="Freeform 9"/>
+          <p:cNvSpPr/>
+          <p:nvPr/>
+        </p:nvSpPr>
+        <p:spPr>
+          <a:xfrm rot="-5400000">
+            <a:off x="258174" y="282988"/>
+            <a:ext cx="2221188" cy="2221188"/>
+          </a:xfrm>
+          <a:custGeom>
+            <a:avLst/>
+            <a:gdLst/>
+            <a:ahLst/>
+            <a:cxnLst/>
+            <a:rect l="l" t="t" r="r" b="b"/>
+            <a:pathLst>
+              <a:path w="2221188" h="2221188">
+                <a:moveTo>
+                  <a:pt x="0" y="0"/>
+                </a:moveTo>
+                <a:lnTo>
+                  <a:pt x="2221188" y="0"/>
+                </a:lnTo>
+                <a:lnTo>
+                  <a:pt x="2221188" y="2221188"/>
+                </a:lnTo>
+                <a:lnTo>
+                  <a:pt x="0" y="2221188"/>
+                </a:lnTo>
+                <a:lnTo>
+                  <a:pt x="0" y="0"/>
+                </a:lnTo>
+                <a:close/>
+              </a:path>
+            </a:pathLst>
+          </a:custGeom>
+          <a:blipFill>
+            <a:blip r:embed="rId6">
+              <a:extLst>
+                <a:ext uri="{96DAC541-7B7A-43D3-8B79-37D633B846F1}">
+                  <asvg:svgBlip xmlns:asvg="http://schemas.microsoft.com/office/drawing/2016/SVG/main" r:embed="rId7"/>
+                </a:ext>
+              </a:extLst>
+            </a:blip>
+            <a:stretch>
+              <a:fillRect/>
+            </a:stretch>
+          </a:blipFill>
+        </p:spPr>
+      </p:sp>
+      <p:sp>
+        <p:nvSpPr>
+          <p:cNvPr id="10" name="Freeform 10"/>
+          <p:cNvSpPr/>
+          <p:nvPr/>
+        </p:nvSpPr>
+        <p:spPr>
+          <a:xfrm rot="-10800000">
+            <a:off x="223420" y="5070185"/>
+            <a:ext cx="2221188" cy="2221188"/>
+          </a:xfrm>
+          <a:custGeom>
+            <a:avLst/>
+            <a:gdLst/>
+            <a:ahLst/>
+            <a:cxnLst/>
+            <a:rect l="l" t="t" r="r" b="b"/>
+            <a:pathLst>
+              <a:path w="2221188" h="2221188">
+                <a:moveTo>
+                  <a:pt x="0" y="0"/>
+                </a:moveTo>
+                <a:lnTo>
+                  <a:pt x="2221188" y="0"/>
+                </a:lnTo>
+                <a:lnTo>
+                  <a:pt x="2221188" y="2221188"/>
+                </a:lnTo>
+                <a:lnTo>
+                  <a:pt x="0" y="2221188"/>
+                </a:lnTo>
+                <a:lnTo>
+                  <a:pt x="0" y="0"/>
+                </a:lnTo>
+                <a:close/>
+              </a:path>
+            </a:pathLst>
+          </a:custGeom>
+          <a:blipFill>
+            <a:blip r:embed="rId6">
+              <a:extLst>
+                <a:ext uri="{96DAC541-7B7A-43D3-8B79-37D633B846F1}">
+                  <asvg:svgBlip xmlns:asvg="http://schemas.microsoft.com/office/drawing/2016/SVG/main" r:embed="rId7"/>
+                </a:ext>
+              </a:extLst>
+            </a:blip>
+            <a:stretch>
+              <a:fillRect/>
+            </a:stretch>
+          </a:blipFill>
+        </p:spPr>
+      </p:sp>
+      <p:sp>
+        <p:nvSpPr>
+          <p:cNvPr id="11" name="Freeform 11"/>
+          <p:cNvSpPr/>
+          <p:nvPr/>
+        </p:nvSpPr>
+        <p:spPr>
+          <a:xfrm rot="-10800000">
+            <a:off x="2622623" y="7031212"/>
+            <a:ext cx="5446755" cy="188161"/>
+          </a:xfrm>
+          <a:custGeom>
+            <a:avLst/>
+            <a:gdLst/>
+            <a:ahLst/>
+            <a:cxnLst/>
+            <a:rect l="l" t="t" r="r" b="b"/>
+            <a:pathLst>
+              <a:path w="5446755" h="188161">
+                <a:moveTo>
+                  <a:pt x="0" y="0"/>
+                </a:moveTo>
+                <a:lnTo>
+                  <a:pt x="5446754" y="0"/>
+                </a:lnTo>
+                <a:lnTo>
+                  <a:pt x="5446754" y="188161"/>
+                </a:lnTo>
+                <a:lnTo>
+                  <a:pt x="0" y="188161"/>
+                </a:lnTo>
+                <a:lnTo>
+                  <a:pt x="0" y="0"/>
+                </a:lnTo>
+                <a:close/>
+              </a:path>
+            </a:pathLst>
+          </a:custGeom>
+          <a:blipFill>
+            <a:blip r:embed="rId8">
+              <a:extLst>
+                <a:ext uri="{96DAC541-7B7A-43D3-8B79-37D633B846F1}">
+                  <asvg:svgBlip xmlns:asvg="http://schemas.microsoft.com/office/drawing/2016/SVG/main" r:embed="rId9"/>
+                </a:ext>
+              </a:extLst>
+            </a:blip>
+            <a:stretch>
+              <a:fillRect/>
+            </a:stretch>
+          </a:blipFill>
+        </p:spPr>
+      </p:sp>
+      <p:sp>
+        <p:nvSpPr>
+          <p:cNvPr id="12" name="Freeform 12"/>
+          <p:cNvSpPr/>
+          <p:nvPr/>
+        </p:nvSpPr>
+        <p:spPr>
+          <a:xfrm rot="5400000">
+            <a:off x="8247392" y="5070185"/>
+            <a:ext cx="2221188" cy="2221188"/>
+          </a:xfrm>
+          <a:custGeom>
+            <a:avLst/>
+            <a:gdLst/>
+            <a:ahLst/>
+            <a:cxnLst/>
+            <a:rect l="l" t="t" r="r" b="b"/>
+            <a:pathLst>
+              <a:path w="2221188" h="2221188">
+                <a:moveTo>
+                  <a:pt x="0" y="0"/>
+                </a:moveTo>
+                <a:lnTo>
+                  <a:pt x="2221188" y="0"/>
+                </a:lnTo>
+                <a:lnTo>
+                  <a:pt x="2221188" y="2221188"/>
+                </a:lnTo>
+                <a:lnTo>
+                  <a:pt x="0" y="2221188"/>
+                </a:lnTo>
+                <a:lnTo>
+                  <a:pt x="0" y="0"/>
+                </a:lnTo>
+                <a:close/>
+              </a:path>
+            </a:pathLst>
+          </a:custGeom>
+          <a:blipFill>
+            <a:blip r:embed="rId6">
+              <a:extLst>
+                <a:ext uri="{96DAC541-7B7A-43D3-8B79-37D633B846F1}">
+                  <asvg:svgBlip xmlns:asvg="http://schemas.microsoft.com/office/drawing/2016/SVG/main" r:embed="rId7"/>
+                </a:ext>
+              </a:extLst>
+            </a:blip>
+            <a:stretch>
+              <a:fillRect/>
+            </a:stretch>
+          </a:blipFill>
+        </p:spPr>
+      </p:sp>
+      <p:sp>
+        <p:nvSpPr>
+          <p:cNvPr id="13" name="TextBox 13"/>
+          <p:cNvSpPr txBox="1"/>
+          <p:nvPr/>
+        </p:nvSpPr>
+        <p:spPr>
+          <a:xfrm>
+            <a:off x="2444608" y="917033"/>
+            <a:ext cx="5929966" cy="1708110"/>
+          </a:xfrm>
+          <a:prstGeom prst="rect">
+            <a:avLst/>
+          </a:prstGeom>
+        </p:spPr>
+        <p:txBody>
+          <a:bodyPr lIns="0" tIns="0" rIns="0" bIns="0" rtlCol="0" anchor="t">
+            <a:spAutoFit/>
+          </a:bodyPr>
+          <a:lstStyle/>
+          <a:p>
+            <a:pPr algn="ctr">
+              <a:lnSpc>
+                <a:spcPts val="9236"/>
+              </a:lnSpc>
+            </a:pPr>
+            <a:r>
+              <a:rPr lang="en-US" sz="7697" spc="1762">
+                <a:solidFill>
+                  <a:srgbClr val="2E1A03"/>
+                </a:solidFill>
+                <a:latin typeface="Petrona"/>
+                <a:ea typeface="Petrona"/>
+                <a:cs typeface="Petrona"/>
+                <a:sym typeface="Petrona"/>
+              </a:rPr>
+              <a:t>DIPLOMA</a:t>
+            </a:r>
+          </a:p>
+        </p:txBody>
+      </p:sp>
+      <p:sp>
+        <p:nvSpPr>
+          <p:cNvPr id="14" name="Freeform 14"/>
+          <p:cNvSpPr/>
+          <p:nvPr/>
+        </p:nvSpPr>
+        <p:spPr>
+          <a:xfrm>
+            <a:off x="4175569" y="2581407"/>
+            <a:ext cx="2410370" cy="72311"/>
+          </a:xfrm>
+          <a:custGeom>
+            <a:avLst/>
+            <a:gdLst/>
+            <a:ahLst/>
+            <a:cxnLst/>
+            <a:rect l="l" t="t" r="r" b="b"/>
+            <a:pathLst>
+              <a:path w="2410370" h="72311">
+                <a:moveTo>
+                  <a:pt x="0" y="0"/>
+                </a:moveTo>
+                <a:lnTo>
+                  <a:pt x="2410370" y="0"/>
+                </a:lnTo>
+                <a:lnTo>
+                  <a:pt x="2410370" y="72311"/>
+                </a:lnTo>
+                <a:lnTo>
+                  <a:pt x="0" y="72311"/>
+                </a:lnTo>
+                <a:lnTo>
+                  <a:pt x="0" y="0"/>
+                </a:lnTo>
+                <a:close/>
+              </a:path>
+            </a:pathLst>
+          </a:custGeom>
+          <a:blipFill>
+            <a:blip r:embed="rId10">
+              <a:extLst>
+                <a:ext uri="{96DAC541-7B7A-43D3-8B79-37D633B846F1}">
+                  <asvg:svgBlip xmlns:asvg="http://schemas.microsoft.com/office/drawing/2016/SVG/main" r:embed="rId11"/>
+                </a:ext>
+              </a:extLst>
+            </a:blip>
+            <a:stretch>
+              <a:fillRect/>
+            </a:stretch>
+          </a:blipFill>
+        </p:spPr>
+      </p:sp>
+      <p:sp>
+        <p:nvSpPr>
+          <p:cNvPr id="15" name="Freeform 15"/>
+          <p:cNvSpPr/>
+          <p:nvPr/>
+        </p:nvSpPr>
+        <p:spPr>
+          <a:xfrm>
+            <a:off x="4900297" y="5664761"/>
+            <a:ext cx="977500" cy="1243902"/>
+          </a:xfrm>
+          <a:custGeom>
+            <a:avLst/>
+            <a:gdLst/>
+            <a:ahLst/>
+            <a:cxnLst/>
+            <a:rect l="l" t="t" r="r" b="b"/>
+            <a:pathLst>
+              <a:path w="977500" h="1243902">
+                <a:moveTo>
+                  <a:pt x="0" y="0"/>
+                </a:moveTo>
+                <a:lnTo>
+                  <a:pt x="977500" y="0"/>
+                </a:lnTo>
+                <a:lnTo>
+                  <a:pt x="977500" y="1243902"/>
+                </a:lnTo>
+                <a:lnTo>
+                  <a:pt x="0" y="1243902"/>
+                </a:lnTo>
+                <a:lnTo>
+                  <a:pt x="0" y="0"/>
+                </a:lnTo>
+                <a:close/>
+              </a:path>
+            </a:pathLst>
+          </a:custGeom>
+          <a:blipFill>
+            <a:blip r:embed="rId12"/>
+            <a:stretch>
+              <a:fillRect/>
+            </a:stretch>
+          </a:blipFill>
+        </p:spPr>
+      </p:sp>
+      <p:sp>
+        <p:nvSpPr>
+          <p:cNvPr id="16" name="Freeform 16"/>
+          <p:cNvSpPr/>
+          <p:nvPr/>
+        </p:nvSpPr>
+        <p:spPr>
+          <a:xfrm>
+            <a:off x="1131494" y="6359020"/>
+            <a:ext cx="2982257" cy="737335"/>
+          </a:xfrm>
+          <a:custGeom>
+            <a:avLst/>
+            <a:gdLst/>
+            <a:ahLst/>
+            <a:cxnLst/>
+            <a:rect l="l" t="t" r="r" b="b"/>
+            <a:pathLst>
+              <a:path w="2982257" h="737335">
+                <a:moveTo>
+                  <a:pt x="0" y="0"/>
+                </a:moveTo>
+                <a:lnTo>
+                  <a:pt x="2982257" y="0"/>
+                </a:lnTo>
+                <a:lnTo>
+                  <a:pt x="2982257" y="737336"/>
+                </a:lnTo>
+                <a:lnTo>
+                  <a:pt x="0" y="737336"/>
+                </a:lnTo>
+                <a:lnTo>
+                  <a:pt x="0" y="0"/>
+                </a:lnTo>
+                <a:close/>
+              </a:path>
+            </a:pathLst>
+          </a:custGeom>
+          <a:blipFill>
+            <a:blip r:embed="rId13">
+              <a:alphaModFix amt="49000"/>
+            </a:blip>
+            <a:stretch>
+              <a:fillRect/>
+            </a:stretch>
+          </a:blipFill>
+        </p:spPr>
+      </p:sp>
+      <p:sp>
+        <p:nvSpPr>
+          <p:cNvPr id="17" name="Freeform 17"/>
+          <p:cNvSpPr/>
+          <p:nvPr/>
+        </p:nvSpPr>
+        <p:spPr>
+          <a:xfrm>
+            <a:off x="6586285" y="6469389"/>
+            <a:ext cx="321042" cy="561824"/>
+          </a:xfrm>
+          <a:custGeom>
+            <a:avLst/>
+            <a:gdLst/>
+            <a:ahLst/>
+            <a:cxnLst/>
+            <a:rect l="l" t="t" r="r" b="b"/>
+            <a:pathLst>
+              <a:path w="321042" h="561824">
+                <a:moveTo>
+                  <a:pt x="0" y="0"/>
+                </a:moveTo>
+                <a:lnTo>
+                  <a:pt x="321042" y="0"/>
+                </a:lnTo>
+                <a:lnTo>
+                  <a:pt x="321042" y="561823"/>
+                </a:lnTo>
+                <a:lnTo>
+                  <a:pt x="0" y="561823"/>
+                </a:lnTo>
+                <a:lnTo>
+                  <a:pt x="0" y="0"/>
+                </a:lnTo>
+                <a:close/>
+              </a:path>
+            </a:pathLst>
+          </a:custGeom>
+          <a:blipFill>
+            <a:blip r:embed="rId14"/>
+            <a:stretch>
+              <a:fillRect/>
+            </a:stretch>
+          </a:blipFill>
+        </p:spPr>
+      </p:sp>
+      <p:sp>
+        <p:nvSpPr>
+          <p:cNvPr id="18" name="Freeform 18"/>
+          <p:cNvSpPr/>
+          <p:nvPr/>
+        </p:nvSpPr>
+        <p:spPr>
+          <a:xfrm>
+            <a:off x="6945427" y="6519379"/>
+            <a:ext cx="416413" cy="537551"/>
+          </a:xfrm>
+          <a:custGeom>
+            <a:avLst/>
+            <a:gdLst/>
+            <a:ahLst/>
+            <a:cxnLst/>
+            <a:rect l="l" t="t" r="r" b="b"/>
+            <a:pathLst>
+              <a:path w="416413" h="537551">
+                <a:moveTo>
+                  <a:pt x="0" y="0"/>
+                </a:moveTo>
+                <a:lnTo>
+                  <a:pt x="416413" y="0"/>
+                </a:lnTo>
+                <a:lnTo>
+                  <a:pt x="416413" y="537551"/>
+                </a:lnTo>
+                <a:lnTo>
+                  <a:pt x="0" y="537551"/>
+                </a:lnTo>
+                <a:lnTo>
+                  <a:pt x="0" y="0"/>
+                </a:lnTo>
+                <a:close/>
+              </a:path>
+            </a:pathLst>
+          </a:custGeom>
+          <a:blipFill>
+            <a:blip r:embed="rId15"/>
+            <a:stretch>
+              <a:fillRect/>
+            </a:stretch>
+          </a:blipFill>
+        </p:spPr>
+      </p:sp>
+      <p:sp>
+        <p:nvSpPr>
+          <p:cNvPr id="19" name="Freeform 19"/>
+          <p:cNvSpPr/>
+          <p:nvPr/>
+        </p:nvSpPr>
+        <p:spPr>
+          <a:xfrm>
+            <a:off x="7399940" y="6443671"/>
+            <a:ext cx="492736" cy="613259"/>
+          </a:xfrm>
+          <a:custGeom>
+            <a:avLst/>
+            <a:gdLst/>
+            <a:ahLst/>
+            <a:cxnLst/>
+            <a:rect l="l" t="t" r="r" b="b"/>
+            <a:pathLst>
+              <a:path w="492736" h="613259">
+                <a:moveTo>
+                  <a:pt x="0" y="0"/>
+                </a:moveTo>
+                <a:lnTo>
+                  <a:pt x="492736" y="0"/>
+                </a:lnTo>
+                <a:lnTo>
+                  <a:pt x="492736" y="613259"/>
+                </a:lnTo>
+                <a:lnTo>
+                  <a:pt x="0" y="613259"/>
+                </a:lnTo>
+                <a:lnTo>
+                  <a:pt x="0" y="0"/>
+                </a:lnTo>
+                <a:close/>
+              </a:path>
+            </a:pathLst>
+          </a:custGeom>
+          <a:blipFill>
+            <a:blip r:embed="rId16"/>
+            <a:stretch>
+              <a:fillRect l="-8290" t="-7621" r="-8290"/>
+            </a:stretch>
+          </a:blipFill>
+        </p:spPr>
+      </p:sp>
+      <p:sp>
+        <p:nvSpPr>
+          <p:cNvPr id="20" name="Freeform 20"/>
+          <p:cNvSpPr/>
+          <p:nvPr/>
+        </p:nvSpPr>
+        <p:spPr>
+          <a:xfrm>
+            <a:off x="7892676" y="6469389"/>
+            <a:ext cx="619741" cy="601250"/>
+          </a:xfrm>
+          <a:custGeom>
+            <a:avLst/>
+            <a:gdLst/>
+            <a:ahLst/>
+            <a:cxnLst/>
+            <a:rect l="l" t="t" r="r" b="b"/>
+            <a:pathLst>
+              <a:path w="619741" h="601250">
+                <a:moveTo>
+                  <a:pt x="0" y="0"/>
+                </a:moveTo>
+                <a:lnTo>
+                  <a:pt x="619741" y="0"/>
+                </a:lnTo>
+                <a:lnTo>
+                  <a:pt x="619741" y="601249"/>
+                </a:lnTo>
+                <a:lnTo>
+                  <a:pt x="0" y="601249"/>
+                </a:lnTo>
+                <a:lnTo>
+                  <a:pt x="0" y="0"/>
+                </a:lnTo>
+                <a:close/>
+              </a:path>
+            </a:pathLst>
+          </a:custGeom>
+          <a:blipFill>
+            <a:blip r:embed="rId17"/>
+            <a:stretch>
+              <a:fillRect l="-15894" t="-4277" r="-18610"/>
+            </a:stretch>
+          </a:blipFill>
+        </p:spPr>
+      </p:sp>
+      <p:sp>
+        <p:nvSpPr>
+          <p:cNvPr id="22" name="TextBox 22"/>
+          <p:cNvSpPr txBox="1"/>
+          <p:nvPr/>
+        </p:nvSpPr>
+        <p:spPr>
+          <a:xfrm>
+            <a:off x="626209" y="3402685"/>
+            <a:ext cx="9640009" cy="807209"/>
+          </a:xfrm>
+          <a:prstGeom prst="rect">
+            <a:avLst/>
+          </a:prstGeom>
+        </p:spPr>
+        <p:txBody>
+          <a:bodyPr wrap="square" lIns="0" tIns="0" rIns="0" bIns="0" rtlCol="0" anchor="t">
+            <a:spAutoFit/>
+          </a:bodyPr>
+          <a:lstStyle/>
+          <a:p>
+            <a:pPr algn="ctr">
+              <a:lnSpc>
+                <a:spcPts val="6680"/>
+              </a:lnSpc>
+            </a:pPr>
+            <a:r>
+              <a:rPr lang="en-US" sz="4400" dirty="0">
+                <a:solidFill>
+                  <a:srgbClr val="2E1A03"/>
+                </a:solidFill>
+                <a:latin typeface="Vivaldi" panose="03020602050506090804" pitchFamily="66" charset="0"/>
+                <a:ea typeface="Allura"/>
+                <a:cs typeface="Allura"/>
+                <a:sym typeface="Allura"/>
+              </a:rPr>
+              <a:t>[</a:t>
+            </a:r>
+            <a:r>
+              <a:rPr lang="en-US" sz="4400" dirty="0" err="1">
+                <a:solidFill>
+                  <a:srgbClr val="2E1A03"/>
+                </a:solidFill>
+                <a:latin typeface="Vivaldi" panose="03020602050506090804" pitchFamily="66" charset="0"/>
+                <a:ea typeface="Allura"/>
+                <a:cs typeface="Allura"/>
+                <a:sym typeface="Allura"/>
+              </a:rPr>
+              <a:t>Nombre</a:t>
+            </a:r>
+            <a:r>
+              <a:rPr lang="en-US" sz="4400" dirty="0">
+                <a:solidFill>
+                  <a:srgbClr val="2E1A03"/>
+                </a:solidFill>
+                <a:latin typeface="Vivaldi" panose="03020602050506090804" pitchFamily="66" charset="0"/>
+                <a:ea typeface="Allura"/>
+                <a:cs typeface="Allura"/>
+                <a:sym typeface="Allura"/>
+              </a:rPr>
+              <a:t>]</a:t>
+            </a:r>
+          </a:p>
+        </p:txBody>
+      </p:sp>
+      <p:sp>
+        <p:nvSpPr>
+          <p:cNvPr id="23" name="TextBox 23"/>
+          <p:cNvSpPr txBox="1"/>
+          <p:nvPr/>
+        </p:nvSpPr>
+        <p:spPr>
+          <a:xfrm>
+            <a:off x="1924923" y="3015668"/>
+            <a:ext cx="6842155" cy="276225"/>
+          </a:xfrm>
+          <a:prstGeom prst="rect">
+            <a:avLst/>
+          </a:prstGeom>
+        </p:spPr>
+        <p:txBody>
+          <a:bodyPr lIns="0" tIns="0" rIns="0" bIns="0" rtlCol="0" anchor="t">
+            <a:spAutoFit/>
+          </a:bodyPr>
+          <a:lstStyle/>
+          <a:p>
+            <a:pPr algn="ctr">
+              <a:lnSpc>
+                <a:spcPts val="2171"/>
+              </a:lnSpc>
+            </a:pPr>
+            <a:r>
+              <a:rPr lang="en-US" sz="1809">
+                <a:solidFill>
+                  <a:srgbClr val="2E1A03"/>
+                </a:solidFill>
+                <a:latin typeface="Petrona"/>
+                <a:ea typeface="Petrona"/>
+                <a:cs typeface="Petrona"/>
+                <a:sym typeface="Petrona"/>
+              </a:rPr>
+              <a:t>Collect Center se enorgullece en otorgar este diploma a</a:t>
+            </a:r>
+          </a:p>
+        </p:txBody>
+      </p:sp>
+      <p:sp>
+        <p:nvSpPr>
+          <p:cNvPr id="24" name="TextBox 24"/>
+          <p:cNvSpPr txBox="1"/>
+          <p:nvPr/>
+        </p:nvSpPr>
+        <p:spPr>
+          <a:xfrm>
+            <a:off x="1080332" y="4235910"/>
+            <a:ext cx="8658511" cy="560346"/>
+          </a:xfrm>
+          <a:prstGeom prst="rect">
+            <a:avLst/>
+          </a:prstGeom>
+        </p:spPr>
+        <p:txBody>
+          <a:bodyPr lIns="0" tIns="0" rIns="0" bIns="0" rtlCol="0" anchor="t">
+            <a:spAutoFit/>
+          </a:bodyPr>
+          <a:lstStyle/>
+          <a:p>
+            <a:pPr algn="ctr">
+              <a:lnSpc>
+                <a:spcPts val="2171"/>
+              </a:lnSpc>
+            </a:pPr>
+            <a:r>
+              <a:rPr lang="en-US" sz="1809" dirty="0">
+                <a:solidFill>
+                  <a:srgbClr val="2E1A03"/>
+                </a:solidFill>
+                <a:latin typeface="Petrona"/>
+                <a:ea typeface="Petrona"/>
+                <a:cs typeface="Petrona"/>
+                <a:sym typeface="Petrona"/>
+              </a:rPr>
+              <a:t>Por </a:t>
+            </a:r>
+            <a:r>
+              <a:rPr lang="en-US" sz="1809" dirty="0" err="1">
+                <a:solidFill>
+                  <a:srgbClr val="2E1A03"/>
+                </a:solidFill>
+                <a:latin typeface="Petrona"/>
+                <a:ea typeface="Petrona"/>
+                <a:cs typeface="Petrona"/>
+                <a:sym typeface="Petrona"/>
+              </a:rPr>
+              <a:t>su</a:t>
+            </a:r>
+            <a:r>
+              <a:rPr lang="en-US" sz="1809" dirty="0">
+                <a:solidFill>
+                  <a:srgbClr val="2E1A03"/>
+                </a:solidFill>
+                <a:latin typeface="Petrona"/>
+                <a:ea typeface="Petrona"/>
+                <a:cs typeface="Petrona"/>
+                <a:sym typeface="Petrona"/>
+              </a:rPr>
+              <a:t> gran labor y </a:t>
+            </a:r>
+            <a:r>
+              <a:rPr lang="en-US" sz="1809" dirty="0" err="1">
+                <a:solidFill>
+                  <a:srgbClr val="2E1A03"/>
+                </a:solidFill>
+                <a:latin typeface="Petrona"/>
+                <a:ea typeface="Petrona"/>
+                <a:cs typeface="Petrona"/>
+                <a:sym typeface="Petrona"/>
+              </a:rPr>
+              <a:t>desempeño</a:t>
+            </a:r>
+            <a:r>
+              <a:rPr lang="en-US" sz="1809" dirty="0">
+                <a:solidFill>
+                  <a:srgbClr val="2E1A03"/>
+                </a:solidFill>
+                <a:latin typeface="Petrona"/>
+                <a:ea typeface="Petrona"/>
+                <a:cs typeface="Petrona"/>
+                <a:sym typeface="Petrona"/>
+              </a:rPr>
+              <a:t> </a:t>
+            </a:r>
+            <a:r>
+              <a:rPr lang="en-US" sz="1809" dirty="0" err="1">
+                <a:solidFill>
+                  <a:srgbClr val="2E1A03"/>
+                </a:solidFill>
+                <a:latin typeface="Petrona"/>
+                <a:ea typeface="Petrona"/>
+                <a:cs typeface="Petrona"/>
+                <a:sym typeface="Petrona"/>
+              </a:rPr>
+              <a:t>como</a:t>
+            </a:r>
+            <a:r>
+              <a:rPr lang="en-US" sz="1809" dirty="0">
+                <a:solidFill>
+                  <a:srgbClr val="2E1A03"/>
+                </a:solidFill>
+                <a:latin typeface="Petrona"/>
+                <a:ea typeface="Petrona"/>
+                <a:cs typeface="Petrona"/>
+                <a:sym typeface="Petrona"/>
+              </a:rPr>
+              <a:t> </a:t>
+            </a:r>
+            <a:r>
+              <a:rPr lang="en-US" sz="1809" dirty="0" err="1">
+                <a:solidFill>
+                  <a:srgbClr val="2E1A03"/>
+                </a:solidFill>
+                <a:latin typeface="Petrona"/>
+                <a:ea typeface="Petrona"/>
+                <a:cs typeface="Petrona"/>
+                <a:sym typeface="Petrona"/>
+              </a:rPr>
+              <a:t>asesor</a:t>
+            </a:r>
+            <a:r>
+              <a:rPr lang="en-US" sz="1809" dirty="0">
+                <a:solidFill>
+                  <a:srgbClr val="2E1A03"/>
+                </a:solidFill>
+                <a:latin typeface="Petrona"/>
+                <a:ea typeface="Petrona"/>
+                <a:cs typeface="Petrona"/>
+                <a:sym typeface="Petrona"/>
+              </a:rPr>
+              <a:t>(a) de Collect Center SAS</a:t>
+            </a:r>
+          </a:p>
+          <a:p>
+            <a:pPr algn="ctr">
+              <a:lnSpc>
+                <a:spcPts val="2171"/>
+              </a:lnSpc>
+            </a:pPr>
+            <a:endParaRPr lang="en-US" sz="1809" dirty="0">
+              <a:solidFill>
+                <a:srgbClr val="2E1A03"/>
+              </a:solidFill>
+              <a:latin typeface="Petrona"/>
+              <a:ea typeface="Petrona"/>
+              <a:cs typeface="Petrona"/>
+              <a:sym typeface="Petrona"/>
+            </a:endParaRPr>
+          </a:p>
+        </p:txBody>
+      </p:sp>
+      <p:sp>
+        <p:nvSpPr>
+          <p:cNvPr id="25" name="TextBox 25"/>
+          <p:cNvSpPr txBox="1"/>
+          <p:nvPr/>
+        </p:nvSpPr>
+        <p:spPr>
+          <a:xfrm>
+            <a:off x="2657377" y="2143257"/>
+            <a:ext cx="5577675" cy="342900"/>
+          </a:xfrm>
+          <a:prstGeom prst="rect">
+            <a:avLst/>
+          </a:prstGeom>
+        </p:spPr>
+        <p:txBody>
+          <a:bodyPr lIns="0" tIns="0" rIns="0" bIns="0" rtlCol="0" anchor="t">
+            <a:spAutoFit/>
+          </a:bodyPr>
+          <a:lstStyle/>
+          <a:p>
+            <a:pPr algn="ctr">
+              <a:lnSpc>
+                <a:spcPts val="2664"/>
+              </a:lnSpc>
+            </a:pPr>
+            <a:r>
+              <a:rPr lang="en-US" sz="2220">
+                <a:solidFill>
+                  <a:srgbClr val="2E1A03"/>
+                </a:solidFill>
+                <a:latin typeface="Petrona"/>
+                <a:ea typeface="Petrona"/>
+                <a:cs typeface="Petrona"/>
+                <a:sym typeface="Petrona"/>
+              </a:rPr>
+              <a:t>DE RECONOCIMIENTO</a:t>
+            </a:r>
+          </a:p>
+        </p:txBody>
+      </p:sp>
+      <p:sp>
+        <p:nvSpPr>
+          <p:cNvPr id="21" name="CuadroTexto 20">
+            <a:extLst>
+              <a:ext uri="{FF2B5EF4-FFF2-40B4-BE49-F238E27FC236}">
+                <a16:creationId xmlns:a16="http://schemas.microsoft.com/office/drawing/2014/main" id="{F988C22C-C7EC-4CE2-8212-12741F0627F8}"/>
+              </a:ext>
+            </a:extLst>
+          </p:cNvPr>
+          <p:cNvSpPr txBox="1"/>
+          <p:nvPr/>
+        </p:nvSpPr>
+        <p:spPr>
+          <a:xfrm>
+            <a:off x="4664910" y="4907663"/>
+            <a:ext cx="1540515" cy="646331"/>
+          </a:xfrm>
+          <a:prstGeom prst="rect">
+            <a:avLst/>
+          </a:prstGeom>
+          <a:noFill/>
+        </p:spPr>
+        <p:txBody>
+          <a:bodyPr wrap="square" rtlCol="0">
+            <a:spAutoFit/>
+          </a:bodyPr>
+          <a:lstStyle/>
+          <a:p>
+            <a:r>
+              <a:rPr lang="en-US" sz="1800" dirty="0">
+                <a:solidFill>
+                  <a:srgbClr val="2E1A03"/>
+                </a:solidFill>
+                <a:latin typeface="Petrona"/>
+                <a:ea typeface="Petrona"/>
+                <a:cs typeface="Petrona"/>
+                <a:sym typeface="Petrona"/>
+              </a:rPr>
+              <a:t>[ESTRELLAS]</a:t>
+            </a:r>
+          </a:p>
+          <a:p>
+            <a:endParaRPr lang="es-CO" dirty="0"/>
+          </a:p>
+        </p:txBody>
+      </p:sp>
+      <p:sp>
+        <p:nvSpPr>
           <p:cNvPr id="5" name="Freeform 5"/>
           <p:cNvSpPr/>
           <p:nvPr/>
         </p:nvSpPr>
         <p:spPr>
           <a:xfrm>
-            <a:off x="4791208" y="5747307"/>
+            <a:off x="4734041" y="5588503"/>
             <a:ext cx="1310012" cy="1223428"/>
           </a:xfrm>
           <a:custGeom>
@@ -3276,1120 +4329,6 @@
             </a:stretch>
           </a:blipFill>
         </p:spPr>
-      </p:sp>
-      <p:sp>
-        <p:nvSpPr>
-          <p:cNvPr id="6" name="AutoShape 6"/>
-          <p:cNvSpPr/>
-          <p:nvPr/>
-        </p:nvSpPr>
-        <p:spPr>
-          <a:xfrm>
-            <a:off x="1568733" y="4083050"/>
-            <a:ext cx="7198345" cy="0"/>
-          </a:xfrm>
-          <a:prstGeom prst="line">
-            <a:avLst/>
-          </a:prstGeom>
-          <a:ln w="9525" cap="flat">
-            <a:solidFill>
-              <a:srgbClr val="D8901D"/>
-            </a:solidFill>
-            <a:prstDash val="solid"/>
-            <a:headEnd type="none" w="sm" len="sm"/>
-            <a:tailEnd type="none" w="sm" len="sm"/>
-          </a:ln>
-        </p:spPr>
-      </p:sp>
-      <p:sp>
-        <p:nvSpPr>
-          <p:cNvPr id="7" name="Freeform 7"/>
-          <p:cNvSpPr/>
-          <p:nvPr/>
-        </p:nvSpPr>
-        <p:spPr>
-          <a:xfrm>
-            <a:off x="8282145" y="282988"/>
-            <a:ext cx="2221188" cy="2221188"/>
-          </a:xfrm>
-          <a:custGeom>
-            <a:avLst/>
-            <a:gdLst/>
-            <a:ahLst/>
-            <a:cxnLst/>
-            <a:rect l="l" t="t" r="r" b="b"/>
-            <a:pathLst>
-              <a:path w="2221188" h="2221188">
-                <a:moveTo>
-                  <a:pt x="0" y="0"/>
-                </a:moveTo>
-                <a:lnTo>
-                  <a:pt x="2221189" y="0"/>
-                </a:lnTo>
-                <a:lnTo>
-                  <a:pt x="2221189" y="2221188"/>
-                </a:lnTo>
-                <a:lnTo>
-                  <a:pt x="0" y="2221188"/>
-                </a:lnTo>
-                <a:lnTo>
-                  <a:pt x="0" y="0"/>
-                </a:lnTo>
-                <a:close/>
-              </a:path>
-            </a:pathLst>
-          </a:custGeom>
-          <a:blipFill>
-            <a:blip r:embed="rId6">
-              <a:extLst>
-                <a:ext uri="{96DAC541-7B7A-43D3-8B79-37D633B846F1}">
-                  <asvg:svgBlip xmlns:asvg="http://schemas.microsoft.com/office/drawing/2016/SVG/main" r:embed="rId7"/>
-                </a:ext>
-              </a:extLst>
-            </a:blip>
-            <a:stretch>
-              <a:fillRect/>
-            </a:stretch>
-          </a:blipFill>
-        </p:spPr>
-      </p:sp>
-      <p:sp>
-        <p:nvSpPr>
-          <p:cNvPr id="8" name="Freeform 8"/>
-          <p:cNvSpPr/>
-          <p:nvPr/>
-        </p:nvSpPr>
-        <p:spPr>
-          <a:xfrm>
-            <a:off x="2657377" y="354988"/>
-            <a:ext cx="5446755" cy="188161"/>
-          </a:xfrm>
-          <a:custGeom>
-            <a:avLst/>
-            <a:gdLst/>
-            <a:ahLst/>
-            <a:cxnLst/>
-            <a:rect l="l" t="t" r="r" b="b"/>
-            <a:pathLst>
-              <a:path w="5446755" h="188161">
-                <a:moveTo>
-                  <a:pt x="0" y="0"/>
-                </a:moveTo>
-                <a:lnTo>
-                  <a:pt x="5446754" y="0"/>
-                </a:lnTo>
-                <a:lnTo>
-                  <a:pt x="5446754" y="188160"/>
-                </a:lnTo>
-                <a:lnTo>
-                  <a:pt x="0" y="188160"/>
-                </a:lnTo>
-                <a:lnTo>
-                  <a:pt x="0" y="0"/>
-                </a:lnTo>
-                <a:close/>
-              </a:path>
-            </a:pathLst>
-          </a:custGeom>
-          <a:blipFill>
-            <a:blip r:embed="rId8">
-              <a:extLst>
-                <a:ext uri="{96DAC541-7B7A-43D3-8B79-37D633B846F1}">
-                  <asvg:svgBlip xmlns:asvg="http://schemas.microsoft.com/office/drawing/2016/SVG/main" r:embed="rId9"/>
-                </a:ext>
-              </a:extLst>
-            </a:blip>
-            <a:stretch>
-              <a:fillRect/>
-            </a:stretch>
-          </a:blipFill>
-        </p:spPr>
-      </p:sp>
-      <p:sp>
-        <p:nvSpPr>
-          <p:cNvPr id="9" name="Freeform 9"/>
-          <p:cNvSpPr/>
-          <p:nvPr/>
-        </p:nvSpPr>
-        <p:spPr>
-          <a:xfrm rot="-5400000">
-            <a:off x="258174" y="282988"/>
-            <a:ext cx="2221188" cy="2221188"/>
-          </a:xfrm>
-          <a:custGeom>
-            <a:avLst/>
-            <a:gdLst/>
-            <a:ahLst/>
-            <a:cxnLst/>
-            <a:rect l="l" t="t" r="r" b="b"/>
-            <a:pathLst>
-              <a:path w="2221188" h="2221188">
-                <a:moveTo>
-                  <a:pt x="0" y="0"/>
-                </a:moveTo>
-                <a:lnTo>
-                  <a:pt x="2221188" y="0"/>
-                </a:lnTo>
-                <a:lnTo>
-                  <a:pt x="2221188" y="2221188"/>
-                </a:lnTo>
-                <a:lnTo>
-                  <a:pt x="0" y="2221188"/>
-                </a:lnTo>
-                <a:lnTo>
-                  <a:pt x="0" y="0"/>
-                </a:lnTo>
-                <a:close/>
-              </a:path>
-            </a:pathLst>
-          </a:custGeom>
-          <a:blipFill>
-            <a:blip r:embed="rId6">
-              <a:extLst>
-                <a:ext uri="{96DAC541-7B7A-43D3-8B79-37D633B846F1}">
-                  <asvg:svgBlip xmlns:asvg="http://schemas.microsoft.com/office/drawing/2016/SVG/main" r:embed="rId7"/>
-                </a:ext>
-              </a:extLst>
-            </a:blip>
-            <a:stretch>
-              <a:fillRect/>
-            </a:stretch>
-          </a:blipFill>
-        </p:spPr>
-      </p:sp>
-      <p:sp>
-        <p:nvSpPr>
-          <p:cNvPr id="10" name="Freeform 10"/>
-          <p:cNvSpPr/>
-          <p:nvPr/>
-        </p:nvSpPr>
-        <p:spPr>
-          <a:xfrm rot="-10800000">
-            <a:off x="223420" y="5070185"/>
-            <a:ext cx="2221188" cy="2221188"/>
-          </a:xfrm>
-          <a:custGeom>
-            <a:avLst/>
-            <a:gdLst/>
-            <a:ahLst/>
-            <a:cxnLst/>
-            <a:rect l="l" t="t" r="r" b="b"/>
-            <a:pathLst>
-              <a:path w="2221188" h="2221188">
-                <a:moveTo>
-                  <a:pt x="0" y="0"/>
-                </a:moveTo>
-                <a:lnTo>
-                  <a:pt x="2221188" y="0"/>
-                </a:lnTo>
-                <a:lnTo>
-                  <a:pt x="2221188" y="2221188"/>
-                </a:lnTo>
-                <a:lnTo>
-                  <a:pt x="0" y="2221188"/>
-                </a:lnTo>
-                <a:lnTo>
-                  <a:pt x="0" y="0"/>
-                </a:lnTo>
-                <a:close/>
-              </a:path>
-            </a:pathLst>
-          </a:custGeom>
-          <a:blipFill>
-            <a:blip r:embed="rId6">
-              <a:extLst>
-                <a:ext uri="{96DAC541-7B7A-43D3-8B79-37D633B846F1}">
-                  <asvg:svgBlip xmlns:asvg="http://schemas.microsoft.com/office/drawing/2016/SVG/main" r:embed="rId7"/>
-                </a:ext>
-              </a:extLst>
-            </a:blip>
-            <a:stretch>
-              <a:fillRect/>
-            </a:stretch>
-          </a:blipFill>
-        </p:spPr>
-      </p:sp>
-      <p:sp>
-        <p:nvSpPr>
-          <p:cNvPr id="11" name="Freeform 11"/>
-          <p:cNvSpPr/>
-          <p:nvPr/>
-        </p:nvSpPr>
-        <p:spPr>
-          <a:xfrm rot="-10800000">
-            <a:off x="2622623" y="7031212"/>
-            <a:ext cx="5446755" cy="188161"/>
-          </a:xfrm>
-          <a:custGeom>
-            <a:avLst/>
-            <a:gdLst/>
-            <a:ahLst/>
-            <a:cxnLst/>
-            <a:rect l="l" t="t" r="r" b="b"/>
-            <a:pathLst>
-              <a:path w="5446755" h="188161">
-                <a:moveTo>
-                  <a:pt x="0" y="0"/>
-                </a:moveTo>
-                <a:lnTo>
-                  <a:pt x="5446754" y="0"/>
-                </a:lnTo>
-                <a:lnTo>
-                  <a:pt x="5446754" y="188161"/>
-                </a:lnTo>
-                <a:lnTo>
-                  <a:pt x="0" y="188161"/>
-                </a:lnTo>
-                <a:lnTo>
-                  <a:pt x="0" y="0"/>
-                </a:lnTo>
-                <a:close/>
-              </a:path>
-            </a:pathLst>
-          </a:custGeom>
-          <a:blipFill>
-            <a:blip r:embed="rId8">
-              <a:extLst>
-                <a:ext uri="{96DAC541-7B7A-43D3-8B79-37D633B846F1}">
-                  <asvg:svgBlip xmlns:asvg="http://schemas.microsoft.com/office/drawing/2016/SVG/main" r:embed="rId9"/>
-                </a:ext>
-              </a:extLst>
-            </a:blip>
-            <a:stretch>
-              <a:fillRect/>
-            </a:stretch>
-          </a:blipFill>
-        </p:spPr>
-      </p:sp>
-      <p:sp>
-        <p:nvSpPr>
-          <p:cNvPr id="12" name="Freeform 12"/>
-          <p:cNvSpPr/>
-          <p:nvPr/>
-        </p:nvSpPr>
-        <p:spPr>
-          <a:xfrm rot="5400000">
-            <a:off x="8247392" y="5070185"/>
-            <a:ext cx="2221188" cy="2221188"/>
-          </a:xfrm>
-          <a:custGeom>
-            <a:avLst/>
-            <a:gdLst/>
-            <a:ahLst/>
-            <a:cxnLst/>
-            <a:rect l="l" t="t" r="r" b="b"/>
-            <a:pathLst>
-              <a:path w="2221188" h="2221188">
-                <a:moveTo>
-                  <a:pt x="0" y="0"/>
-                </a:moveTo>
-                <a:lnTo>
-                  <a:pt x="2221188" y="0"/>
-                </a:lnTo>
-                <a:lnTo>
-                  <a:pt x="2221188" y="2221188"/>
-                </a:lnTo>
-                <a:lnTo>
-                  <a:pt x="0" y="2221188"/>
-                </a:lnTo>
-                <a:lnTo>
-                  <a:pt x="0" y="0"/>
-                </a:lnTo>
-                <a:close/>
-              </a:path>
-            </a:pathLst>
-          </a:custGeom>
-          <a:blipFill>
-            <a:blip r:embed="rId6">
-              <a:extLst>
-                <a:ext uri="{96DAC541-7B7A-43D3-8B79-37D633B846F1}">
-                  <asvg:svgBlip xmlns:asvg="http://schemas.microsoft.com/office/drawing/2016/SVG/main" r:embed="rId7"/>
-                </a:ext>
-              </a:extLst>
-            </a:blip>
-            <a:stretch>
-              <a:fillRect/>
-            </a:stretch>
-          </a:blipFill>
-        </p:spPr>
-      </p:sp>
-      <p:sp>
-        <p:nvSpPr>
-          <p:cNvPr id="13" name="TextBox 13"/>
-          <p:cNvSpPr txBox="1"/>
-          <p:nvPr/>
-        </p:nvSpPr>
-        <p:spPr>
-          <a:xfrm>
-            <a:off x="2444608" y="917033"/>
-            <a:ext cx="5929966" cy="1708110"/>
-          </a:xfrm>
-          <a:prstGeom prst="rect">
-            <a:avLst/>
-          </a:prstGeom>
-        </p:spPr>
-        <p:txBody>
-          <a:bodyPr lIns="0" tIns="0" rIns="0" bIns="0" rtlCol="0" anchor="t">
-            <a:spAutoFit/>
-          </a:bodyPr>
-          <a:lstStyle/>
-          <a:p>
-            <a:pPr algn="ctr">
-              <a:lnSpc>
-                <a:spcPts val="9236"/>
-              </a:lnSpc>
-            </a:pPr>
-            <a:r>
-              <a:rPr lang="en-US" sz="7697" spc="1762">
-                <a:solidFill>
-                  <a:srgbClr val="2E1A03"/>
-                </a:solidFill>
-                <a:latin typeface="Petrona"/>
-                <a:ea typeface="Petrona"/>
-                <a:cs typeface="Petrona"/>
-                <a:sym typeface="Petrona"/>
-              </a:rPr>
-              <a:t>DIPLOMA</a:t>
-            </a:r>
-          </a:p>
-        </p:txBody>
-      </p:sp>
-      <p:sp>
-        <p:nvSpPr>
-          <p:cNvPr id="14" name="Freeform 14"/>
-          <p:cNvSpPr/>
-          <p:nvPr/>
-        </p:nvSpPr>
-        <p:spPr>
-          <a:xfrm>
-            <a:off x="4175569" y="2581407"/>
-            <a:ext cx="2410370" cy="72311"/>
-          </a:xfrm>
-          <a:custGeom>
-            <a:avLst/>
-            <a:gdLst/>
-            <a:ahLst/>
-            <a:cxnLst/>
-            <a:rect l="l" t="t" r="r" b="b"/>
-            <a:pathLst>
-              <a:path w="2410370" h="72311">
-                <a:moveTo>
-                  <a:pt x="0" y="0"/>
-                </a:moveTo>
-                <a:lnTo>
-                  <a:pt x="2410370" y="0"/>
-                </a:lnTo>
-                <a:lnTo>
-                  <a:pt x="2410370" y="72311"/>
-                </a:lnTo>
-                <a:lnTo>
-                  <a:pt x="0" y="72311"/>
-                </a:lnTo>
-                <a:lnTo>
-                  <a:pt x="0" y="0"/>
-                </a:lnTo>
-                <a:close/>
-              </a:path>
-            </a:pathLst>
-          </a:custGeom>
-          <a:blipFill>
-            <a:blip r:embed="rId10">
-              <a:extLst>
-                <a:ext uri="{96DAC541-7B7A-43D3-8B79-37D633B846F1}">
-                  <asvg:svgBlip xmlns:asvg="http://schemas.microsoft.com/office/drawing/2016/SVG/main" r:embed="rId11"/>
-                </a:ext>
-              </a:extLst>
-            </a:blip>
-            <a:stretch>
-              <a:fillRect/>
-            </a:stretch>
-          </a:blipFill>
-        </p:spPr>
-      </p:sp>
-      <p:sp>
-        <p:nvSpPr>
-          <p:cNvPr id="15" name="Freeform 15"/>
-          <p:cNvSpPr/>
-          <p:nvPr/>
-        </p:nvSpPr>
-        <p:spPr>
-          <a:xfrm>
-            <a:off x="4957464" y="5821720"/>
-            <a:ext cx="977500" cy="1243902"/>
-          </a:xfrm>
-          <a:custGeom>
-            <a:avLst/>
-            <a:gdLst/>
-            <a:ahLst/>
-            <a:cxnLst/>
-            <a:rect l="l" t="t" r="r" b="b"/>
-            <a:pathLst>
-              <a:path w="977500" h="1243902">
-                <a:moveTo>
-                  <a:pt x="0" y="0"/>
-                </a:moveTo>
-                <a:lnTo>
-                  <a:pt x="977500" y="0"/>
-                </a:lnTo>
-                <a:lnTo>
-                  <a:pt x="977500" y="1243902"/>
-                </a:lnTo>
-                <a:lnTo>
-                  <a:pt x="0" y="1243902"/>
-                </a:lnTo>
-                <a:lnTo>
-                  <a:pt x="0" y="0"/>
-                </a:lnTo>
-                <a:close/>
-              </a:path>
-            </a:pathLst>
-          </a:custGeom>
-          <a:blipFill>
-            <a:blip r:embed="rId12"/>
-            <a:stretch>
-              <a:fillRect/>
-            </a:stretch>
-          </a:blipFill>
-        </p:spPr>
-      </p:sp>
-      <p:sp>
-        <p:nvSpPr>
-          <p:cNvPr id="16" name="Freeform 16"/>
-          <p:cNvSpPr/>
-          <p:nvPr/>
-        </p:nvSpPr>
-        <p:spPr>
-          <a:xfrm>
-            <a:off x="1131494" y="6359020"/>
-            <a:ext cx="2982257" cy="737335"/>
-          </a:xfrm>
-          <a:custGeom>
-            <a:avLst/>
-            <a:gdLst/>
-            <a:ahLst/>
-            <a:cxnLst/>
-            <a:rect l="l" t="t" r="r" b="b"/>
-            <a:pathLst>
-              <a:path w="2982257" h="737335">
-                <a:moveTo>
-                  <a:pt x="0" y="0"/>
-                </a:moveTo>
-                <a:lnTo>
-                  <a:pt x="2982257" y="0"/>
-                </a:lnTo>
-                <a:lnTo>
-                  <a:pt x="2982257" y="737336"/>
-                </a:lnTo>
-                <a:lnTo>
-                  <a:pt x="0" y="737336"/>
-                </a:lnTo>
-                <a:lnTo>
-                  <a:pt x="0" y="0"/>
-                </a:lnTo>
-                <a:close/>
-              </a:path>
-            </a:pathLst>
-          </a:custGeom>
-          <a:blipFill>
-            <a:blip r:embed="rId13">
-              <a:alphaModFix amt="49000"/>
-            </a:blip>
-            <a:stretch>
-              <a:fillRect/>
-            </a:stretch>
-          </a:blipFill>
-        </p:spPr>
-      </p:sp>
-      <p:sp>
-        <p:nvSpPr>
-          <p:cNvPr id="17" name="Freeform 17"/>
-          <p:cNvSpPr/>
-          <p:nvPr/>
-        </p:nvSpPr>
-        <p:spPr>
-          <a:xfrm>
-            <a:off x="6586285" y="6469389"/>
-            <a:ext cx="321042" cy="561824"/>
-          </a:xfrm>
-          <a:custGeom>
-            <a:avLst/>
-            <a:gdLst/>
-            <a:ahLst/>
-            <a:cxnLst/>
-            <a:rect l="l" t="t" r="r" b="b"/>
-            <a:pathLst>
-              <a:path w="321042" h="561824">
-                <a:moveTo>
-                  <a:pt x="0" y="0"/>
-                </a:moveTo>
-                <a:lnTo>
-                  <a:pt x="321042" y="0"/>
-                </a:lnTo>
-                <a:lnTo>
-                  <a:pt x="321042" y="561823"/>
-                </a:lnTo>
-                <a:lnTo>
-                  <a:pt x="0" y="561823"/>
-                </a:lnTo>
-                <a:lnTo>
-                  <a:pt x="0" y="0"/>
-                </a:lnTo>
-                <a:close/>
-              </a:path>
-            </a:pathLst>
-          </a:custGeom>
-          <a:blipFill>
-            <a:blip r:embed="rId14"/>
-            <a:stretch>
-              <a:fillRect/>
-            </a:stretch>
-          </a:blipFill>
-        </p:spPr>
-      </p:sp>
-      <p:sp>
-        <p:nvSpPr>
-          <p:cNvPr id="18" name="Freeform 18"/>
-          <p:cNvSpPr/>
-          <p:nvPr/>
-        </p:nvSpPr>
-        <p:spPr>
-          <a:xfrm>
-            <a:off x="6945427" y="6519379"/>
-            <a:ext cx="416413" cy="537551"/>
-          </a:xfrm>
-          <a:custGeom>
-            <a:avLst/>
-            <a:gdLst/>
-            <a:ahLst/>
-            <a:cxnLst/>
-            <a:rect l="l" t="t" r="r" b="b"/>
-            <a:pathLst>
-              <a:path w="416413" h="537551">
-                <a:moveTo>
-                  <a:pt x="0" y="0"/>
-                </a:moveTo>
-                <a:lnTo>
-                  <a:pt x="416413" y="0"/>
-                </a:lnTo>
-                <a:lnTo>
-                  <a:pt x="416413" y="537551"/>
-                </a:lnTo>
-                <a:lnTo>
-                  <a:pt x="0" y="537551"/>
-                </a:lnTo>
-                <a:lnTo>
-                  <a:pt x="0" y="0"/>
-                </a:lnTo>
-                <a:close/>
-              </a:path>
-            </a:pathLst>
-          </a:custGeom>
-          <a:blipFill>
-            <a:blip r:embed="rId15"/>
-            <a:stretch>
-              <a:fillRect/>
-            </a:stretch>
-          </a:blipFill>
-        </p:spPr>
-      </p:sp>
-      <p:sp>
-        <p:nvSpPr>
-          <p:cNvPr id="19" name="Freeform 19"/>
-          <p:cNvSpPr/>
-          <p:nvPr/>
-        </p:nvSpPr>
-        <p:spPr>
-          <a:xfrm>
-            <a:off x="7399940" y="6443671"/>
-            <a:ext cx="492736" cy="613259"/>
-          </a:xfrm>
-          <a:custGeom>
-            <a:avLst/>
-            <a:gdLst/>
-            <a:ahLst/>
-            <a:cxnLst/>
-            <a:rect l="l" t="t" r="r" b="b"/>
-            <a:pathLst>
-              <a:path w="492736" h="613259">
-                <a:moveTo>
-                  <a:pt x="0" y="0"/>
-                </a:moveTo>
-                <a:lnTo>
-                  <a:pt x="492736" y="0"/>
-                </a:lnTo>
-                <a:lnTo>
-                  <a:pt x="492736" y="613259"/>
-                </a:lnTo>
-                <a:lnTo>
-                  <a:pt x="0" y="613259"/>
-                </a:lnTo>
-                <a:lnTo>
-                  <a:pt x="0" y="0"/>
-                </a:lnTo>
-                <a:close/>
-              </a:path>
-            </a:pathLst>
-          </a:custGeom>
-          <a:blipFill>
-            <a:blip r:embed="rId16"/>
-            <a:stretch>
-              <a:fillRect l="-8290" t="-7621" r="-8290"/>
-            </a:stretch>
-          </a:blipFill>
-        </p:spPr>
-      </p:sp>
-      <p:sp>
-        <p:nvSpPr>
-          <p:cNvPr id="20" name="Freeform 20"/>
-          <p:cNvSpPr/>
-          <p:nvPr/>
-        </p:nvSpPr>
-        <p:spPr>
-          <a:xfrm>
-            <a:off x="7892676" y="6469389"/>
-            <a:ext cx="619741" cy="601250"/>
-          </a:xfrm>
-          <a:custGeom>
-            <a:avLst/>
-            <a:gdLst/>
-            <a:ahLst/>
-            <a:cxnLst/>
-            <a:rect l="l" t="t" r="r" b="b"/>
-            <a:pathLst>
-              <a:path w="619741" h="601250">
-                <a:moveTo>
-                  <a:pt x="0" y="0"/>
-                </a:moveTo>
-                <a:lnTo>
-                  <a:pt x="619741" y="0"/>
-                </a:lnTo>
-                <a:lnTo>
-                  <a:pt x="619741" y="601249"/>
-                </a:lnTo>
-                <a:lnTo>
-                  <a:pt x="0" y="601249"/>
-                </a:lnTo>
-                <a:lnTo>
-                  <a:pt x="0" y="0"/>
-                </a:lnTo>
-                <a:close/>
-              </a:path>
-            </a:pathLst>
-          </a:custGeom>
-          <a:blipFill>
-            <a:blip r:embed="rId17"/>
-            <a:stretch>
-              <a:fillRect l="-15894" t="-4277" r="-18610"/>
-            </a:stretch>
-          </a:blipFill>
-        </p:spPr>
-      </p:sp>
-      <p:sp>
-        <p:nvSpPr>
-          <p:cNvPr id="22" name="TextBox 22"/>
-          <p:cNvSpPr txBox="1"/>
-          <p:nvPr/>
-        </p:nvSpPr>
-        <p:spPr>
-          <a:xfrm>
-            <a:off x="1491388" y="3553831"/>
-            <a:ext cx="7709224" cy="877997"/>
-          </a:xfrm>
-          <a:prstGeom prst="rect">
-            <a:avLst/>
-          </a:prstGeom>
-        </p:spPr>
-        <p:txBody>
-          <a:bodyPr lIns="0" tIns="0" rIns="0" bIns="0" rtlCol="0" anchor="t">
-            <a:spAutoFit/>
-          </a:bodyPr>
-          <a:lstStyle/>
-          <a:p>
-            <a:pPr algn="ctr">
-              <a:lnSpc>
-                <a:spcPts val="6680"/>
-              </a:lnSpc>
-            </a:pPr>
-            <a:r>
-              <a:rPr lang="en-US" sz="5400" dirty="0">
-                <a:solidFill>
-                  <a:srgbClr val="2E1A03"/>
-                </a:solidFill>
-                <a:latin typeface="Allura"/>
-                <a:ea typeface="Allura"/>
-                <a:cs typeface="Allura"/>
-                <a:sym typeface="Allura"/>
-              </a:rPr>
-              <a:t>[</a:t>
-            </a:r>
-            <a:r>
-              <a:rPr lang="en-US" sz="5400" dirty="0" err="1">
-                <a:solidFill>
-                  <a:srgbClr val="2E1A03"/>
-                </a:solidFill>
-                <a:latin typeface="Allura"/>
-                <a:ea typeface="Allura"/>
-                <a:cs typeface="Allura"/>
-                <a:sym typeface="Allura"/>
-              </a:rPr>
-              <a:t>Nombre</a:t>
-            </a:r>
-            <a:r>
-              <a:rPr lang="en-US" sz="5400" dirty="0">
-                <a:solidFill>
-                  <a:srgbClr val="2E1A03"/>
-                </a:solidFill>
-                <a:latin typeface="Allura"/>
-                <a:ea typeface="Allura"/>
-                <a:cs typeface="Allura"/>
-                <a:sym typeface="Allura"/>
-              </a:rPr>
-              <a:t>]</a:t>
-            </a:r>
-          </a:p>
-        </p:txBody>
-      </p:sp>
-      <p:sp>
-        <p:nvSpPr>
-          <p:cNvPr id="23" name="TextBox 23"/>
-          <p:cNvSpPr txBox="1"/>
-          <p:nvPr/>
-        </p:nvSpPr>
-        <p:spPr>
-          <a:xfrm>
-            <a:off x="1924923" y="3015668"/>
-            <a:ext cx="6842155" cy="276225"/>
-          </a:xfrm>
-          <a:prstGeom prst="rect">
-            <a:avLst/>
-          </a:prstGeom>
-        </p:spPr>
-        <p:txBody>
-          <a:bodyPr lIns="0" tIns="0" rIns="0" bIns="0" rtlCol="0" anchor="t">
-            <a:spAutoFit/>
-          </a:bodyPr>
-          <a:lstStyle/>
-          <a:p>
-            <a:pPr algn="ctr">
-              <a:lnSpc>
-                <a:spcPts val="2171"/>
-              </a:lnSpc>
-            </a:pPr>
-            <a:r>
-              <a:rPr lang="en-US" sz="1809">
-                <a:solidFill>
-                  <a:srgbClr val="2E1A03"/>
-                </a:solidFill>
-                <a:latin typeface="Petrona"/>
-                <a:ea typeface="Petrona"/>
-                <a:cs typeface="Petrona"/>
-                <a:sym typeface="Petrona"/>
-              </a:rPr>
-              <a:t>Collect Center se enorgullece en otorgar este diploma a</a:t>
-            </a:r>
-          </a:p>
-        </p:txBody>
-      </p:sp>
-      <p:sp>
-        <p:nvSpPr>
-          <p:cNvPr id="24" name="TextBox 24"/>
-          <p:cNvSpPr txBox="1"/>
-          <p:nvPr/>
-        </p:nvSpPr>
-        <p:spPr>
-          <a:xfrm>
-            <a:off x="1080332" y="4235910"/>
-            <a:ext cx="8658511" cy="1124603"/>
-          </a:xfrm>
-          <a:prstGeom prst="rect">
-            <a:avLst/>
-          </a:prstGeom>
-        </p:spPr>
-        <p:txBody>
-          <a:bodyPr lIns="0" tIns="0" rIns="0" bIns="0" rtlCol="0" anchor="t">
-            <a:spAutoFit/>
-          </a:bodyPr>
-          <a:lstStyle/>
-          <a:p>
-            <a:pPr algn="ctr">
-              <a:lnSpc>
-                <a:spcPts val="2171"/>
-              </a:lnSpc>
-            </a:pPr>
-            <a:r>
-              <a:rPr lang="en-US" sz="1809" dirty="0">
-                <a:solidFill>
-                  <a:srgbClr val="2E1A03"/>
-                </a:solidFill>
-                <a:latin typeface="Petrona"/>
-                <a:ea typeface="Petrona"/>
-                <a:cs typeface="Petrona"/>
-                <a:sym typeface="Petrona"/>
-              </a:rPr>
-              <a:t>Por </a:t>
-            </a:r>
-            <a:r>
-              <a:rPr lang="en-US" sz="1809" dirty="0" err="1">
-                <a:solidFill>
-                  <a:srgbClr val="2E1A03"/>
-                </a:solidFill>
-                <a:latin typeface="Petrona"/>
-                <a:ea typeface="Petrona"/>
-                <a:cs typeface="Petrona"/>
-                <a:sym typeface="Petrona"/>
-              </a:rPr>
-              <a:t>su</a:t>
-            </a:r>
-            <a:r>
-              <a:rPr lang="en-US" sz="1809" dirty="0">
-                <a:solidFill>
-                  <a:srgbClr val="2E1A03"/>
-                </a:solidFill>
-                <a:latin typeface="Petrona"/>
-                <a:ea typeface="Petrona"/>
-                <a:cs typeface="Petrona"/>
-                <a:sym typeface="Petrona"/>
-              </a:rPr>
-              <a:t> gran labor y </a:t>
-            </a:r>
-            <a:r>
-              <a:rPr lang="en-US" sz="1809" dirty="0" err="1">
-                <a:solidFill>
-                  <a:srgbClr val="2E1A03"/>
-                </a:solidFill>
-                <a:latin typeface="Petrona"/>
-                <a:ea typeface="Petrona"/>
-                <a:cs typeface="Petrona"/>
-                <a:sym typeface="Petrona"/>
-              </a:rPr>
-              <a:t>desempeño</a:t>
-            </a:r>
-            <a:r>
-              <a:rPr lang="en-US" sz="1809" dirty="0">
-                <a:solidFill>
-                  <a:srgbClr val="2E1A03"/>
-                </a:solidFill>
-                <a:latin typeface="Petrona"/>
-                <a:ea typeface="Petrona"/>
-                <a:cs typeface="Petrona"/>
-                <a:sym typeface="Petrona"/>
-              </a:rPr>
-              <a:t> </a:t>
-            </a:r>
-            <a:r>
-              <a:rPr lang="en-US" sz="1809" dirty="0" err="1">
-                <a:solidFill>
-                  <a:srgbClr val="2E1A03"/>
-                </a:solidFill>
-                <a:latin typeface="Petrona"/>
-                <a:ea typeface="Petrona"/>
-                <a:cs typeface="Petrona"/>
-                <a:sym typeface="Petrona"/>
-              </a:rPr>
-              <a:t>como</a:t>
-            </a:r>
-            <a:r>
-              <a:rPr lang="en-US" sz="1809" dirty="0">
-                <a:solidFill>
-                  <a:srgbClr val="2E1A03"/>
-                </a:solidFill>
-                <a:latin typeface="Petrona"/>
-                <a:ea typeface="Petrona"/>
-                <a:cs typeface="Petrona"/>
-                <a:sym typeface="Petrona"/>
-              </a:rPr>
-              <a:t> </a:t>
-            </a:r>
-            <a:r>
-              <a:rPr lang="en-US" sz="1809" dirty="0" err="1">
-                <a:solidFill>
-                  <a:srgbClr val="2E1A03"/>
-                </a:solidFill>
-                <a:latin typeface="Petrona"/>
-                <a:ea typeface="Petrona"/>
-                <a:cs typeface="Petrona"/>
-                <a:sym typeface="Petrona"/>
-              </a:rPr>
-              <a:t>asesor</a:t>
-            </a:r>
-            <a:r>
-              <a:rPr lang="en-US" sz="1809" dirty="0">
-                <a:solidFill>
-                  <a:srgbClr val="2E1A03"/>
-                </a:solidFill>
-                <a:latin typeface="Petrona"/>
-                <a:ea typeface="Petrona"/>
-                <a:cs typeface="Petrona"/>
-                <a:sym typeface="Petrona"/>
-              </a:rPr>
-              <a:t>(a) de Collect Center </a:t>
-            </a:r>
-            <a:r>
-              <a:rPr lang="en-US" sz="1809" dirty="0" err="1">
-                <a:solidFill>
-                  <a:srgbClr val="2E1A03"/>
-                </a:solidFill>
-                <a:latin typeface="Petrona"/>
-                <a:ea typeface="Petrona"/>
-                <a:cs typeface="Petrona"/>
-                <a:sym typeface="Petrona"/>
-              </a:rPr>
-              <a:t>aliado</a:t>
-            </a:r>
-            <a:r>
-              <a:rPr lang="en-US" sz="1809" dirty="0">
-                <a:solidFill>
-                  <a:srgbClr val="2E1A03"/>
-                </a:solidFill>
-                <a:latin typeface="Petrona"/>
-                <a:ea typeface="Petrona"/>
-                <a:cs typeface="Petrona"/>
-                <a:sym typeface="Petrona"/>
-              </a:rPr>
-              <a:t> de Banco de </a:t>
-            </a:r>
-            <a:r>
-              <a:rPr lang="en-US" sz="1809" dirty="0" err="1">
-                <a:solidFill>
-                  <a:srgbClr val="2E1A03"/>
-                </a:solidFill>
-                <a:latin typeface="Petrona"/>
-                <a:ea typeface="Petrona"/>
-                <a:cs typeface="Petrona"/>
-                <a:sym typeface="Petrona"/>
-              </a:rPr>
-              <a:t>Occidente</a:t>
-            </a:r>
-            <a:endParaRPr lang="en-US" sz="1809" dirty="0">
-              <a:solidFill>
-                <a:srgbClr val="2E1A03"/>
-              </a:solidFill>
-              <a:latin typeface="Petrona"/>
-              <a:ea typeface="Petrona"/>
-              <a:cs typeface="Petrona"/>
-              <a:sym typeface="Petrona"/>
-            </a:endParaRPr>
-          </a:p>
-          <a:p>
-            <a:pPr algn="ctr">
-              <a:lnSpc>
-                <a:spcPts val="2171"/>
-              </a:lnSpc>
-            </a:pPr>
-            <a:endParaRPr lang="en-US" sz="1809" dirty="0">
-              <a:solidFill>
-                <a:srgbClr val="2E1A03"/>
-              </a:solidFill>
-              <a:latin typeface="Petrona"/>
-              <a:ea typeface="Petrona"/>
-              <a:cs typeface="Petrona"/>
-              <a:sym typeface="Petrona"/>
-            </a:endParaRPr>
-          </a:p>
-          <a:p>
-            <a:pPr algn="ctr">
-              <a:lnSpc>
-                <a:spcPts val="2171"/>
-              </a:lnSpc>
-            </a:pPr>
-            <a:endParaRPr lang="en-US" sz="1809" dirty="0">
-              <a:solidFill>
-                <a:srgbClr val="2E1A03"/>
-              </a:solidFill>
-              <a:latin typeface="Petrona"/>
-              <a:ea typeface="Petrona"/>
-              <a:cs typeface="Petrona"/>
-              <a:sym typeface="Petrona"/>
-            </a:endParaRPr>
-          </a:p>
-        </p:txBody>
-      </p:sp>
-      <p:sp>
-        <p:nvSpPr>
-          <p:cNvPr id="25" name="TextBox 25"/>
-          <p:cNvSpPr txBox="1"/>
-          <p:nvPr/>
-        </p:nvSpPr>
-        <p:spPr>
-          <a:xfrm>
-            <a:off x="2657377" y="2143257"/>
-            <a:ext cx="5577675" cy="342900"/>
-          </a:xfrm>
-          <a:prstGeom prst="rect">
-            <a:avLst/>
-          </a:prstGeom>
-        </p:spPr>
-        <p:txBody>
-          <a:bodyPr lIns="0" tIns="0" rIns="0" bIns="0" rtlCol="0" anchor="t">
-            <a:spAutoFit/>
-          </a:bodyPr>
-          <a:lstStyle/>
-          <a:p>
-            <a:pPr algn="ctr">
-              <a:lnSpc>
-                <a:spcPts val="2664"/>
-              </a:lnSpc>
-            </a:pPr>
-            <a:r>
-              <a:rPr lang="en-US" sz="2220">
-                <a:solidFill>
-                  <a:srgbClr val="2E1A03"/>
-                </a:solidFill>
-                <a:latin typeface="Petrona"/>
-                <a:ea typeface="Petrona"/>
-                <a:cs typeface="Petrona"/>
-                <a:sym typeface="Petrona"/>
-              </a:rPr>
-              <a:t>DE RECONOCIMIENTO</a:t>
-            </a:r>
-          </a:p>
-        </p:txBody>
-      </p:sp>
-      <p:sp>
-        <p:nvSpPr>
-          <p:cNvPr id="21" name="CuadroTexto 20">
-            <a:extLst>
-              <a:ext uri="{FF2B5EF4-FFF2-40B4-BE49-F238E27FC236}">
-                <a16:creationId xmlns:a16="http://schemas.microsoft.com/office/drawing/2014/main" id="{F988C22C-C7EC-4CE2-8212-12741F0627F8}"/>
-              </a:ext>
-            </a:extLst>
-          </p:cNvPr>
-          <p:cNvSpPr txBox="1"/>
-          <p:nvPr/>
-        </p:nvSpPr>
-        <p:spPr>
-          <a:xfrm>
-            <a:off x="4639331" y="5100976"/>
-            <a:ext cx="1540515" cy="646331"/>
-          </a:xfrm>
-          <a:prstGeom prst="rect">
-            <a:avLst/>
-          </a:prstGeom>
-          <a:noFill/>
-        </p:spPr>
-        <p:txBody>
-          <a:bodyPr wrap="square" rtlCol="0">
-            <a:spAutoFit/>
-          </a:bodyPr>
-          <a:lstStyle/>
-          <a:p>
-            <a:r>
-              <a:rPr lang="en-US" sz="1800" dirty="0">
-                <a:solidFill>
-                  <a:srgbClr val="2E1A03"/>
-                </a:solidFill>
-                <a:latin typeface="Petrona"/>
-                <a:ea typeface="Petrona"/>
-                <a:cs typeface="Petrona"/>
-                <a:sym typeface="Petrona"/>
-              </a:rPr>
-              <a:t>[ESTRELLAS]</a:t>
-            </a:r>
-          </a:p>
-          <a:p>
-            <a:endParaRPr lang="es-CO" dirty="0"/>
-          </a:p>
-        </p:txBody>
       </p:sp>
     </p:spTree>
   </p:cSld>

--- a/Certificado Diploma Premio.pptx
+++ b/Certificado Diploma Premio.pptx
@@ -22,8 +22,8 @@
       <p:regular r:id="rId7"/>
     </p:embeddedFont>
     <p:embeddedFont>
-      <p:font typeface="Vivaldi" panose="03020602050506090804" pitchFamily="66" charset="0"/>
-      <p:italic r:id="rId8"/>
+      <p:font typeface="TeXGyreChorus" panose="00000600000000000000" pitchFamily="50" charset="0"/>
+      <p:regular r:id="rId8"/>
     </p:embeddedFont>
   </p:embeddedFontLst>
   <p:defaultTextStyle>
@@ -3116,6 +3116,13 @@
             </a:stretch>
           </a:blipFill>
         </p:spPr>
+        <p:txBody>
+          <a:bodyPr/>
+          <a:lstStyle/>
+          <a:p>
+            <a:endParaRPr lang="es-CO" dirty="0"/>
+          </a:p>
+        </p:txBody>
       </p:sp>
       <p:sp>
         <p:nvSpPr>
@@ -3233,7 +3240,7 @@
         </p:nvSpPr>
         <p:spPr>
           <a:xfrm flipV="1">
-            <a:off x="850900" y="4151592"/>
+            <a:off x="902028" y="3958132"/>
             <a:ext cx="8887943" cy="7698"/>
           </a:xfrm>
           <a:prstGeom prst="line">
@@ -3248,6 +3255,13 @@
             <a:tailEnd type="none" w="sm" len="sm"/>
           </a:ln>
         </p:spPr>
+        <p:txBody>
+          <a:bodyPr/>
+          <a:lstStyle/>
+          <a:p>
+            <a:endParaRPr lang="es-CO" dirty="0"/>
+          </a:p>
+        </p:txBody>
       </p:sp>
       <p:sp>
         <p:nvSpPr>
@@ -3963,7 +3977,7 @@
                 <a:solidFill>
                   <a:srgbClr val="2E1A03"/>
                 </a:solidFill>
-                <a:latin typeface="Vivaldi" panose="03020602050506090804" pitchFamily="66" charset="0"/>
+                <a:latin typeface="TeXGyreChorus" panose="00000600000000000000" pitchFamily="50" charset="0"/>
                 <a:ea typeface="Allura"/>
                 <a:cs typeface="Allura"/>
                 <a:sym typeface="Allura"/>
@@ -3975,7 +3989,7 @@
                 <a:solidFill>
                   <a:srgbClr val="2E1A03"/>
                 </a:solidFill>
-                <a:latin typeface="Vivaldi" panose="03020602050506090804" pitchFamily="66" charset="0"/>
+                <a:latin typeface="TeXGyreChorus" panose="00000600000000000000" pitchFamily="50" charset="0"/>
                 <a:ea typeface="Allura"/>
                 <a:cs typeface="Allura"/>
                 <a:sym typeface="Allura"/>
@@ -3987,7 +4001,7 @@
                 <a:solidFill>
                   <a:srgbClr val="2E1A03"/>
                 </a:solidFill>
-                <a:latin typeface="Vivaldi" panose="03020602050506090804" pitchFamily="66" charset="0"/>
+                <a:latin typeface="TeXGyreChorus" panose="00000600000000000000" pitchFamily="50" charset="0"/>
                 <a:ea typeface="Allura"/>
                 <a:cs typeface="Allura"/>
                 <a:sym typeface="Allura"/>
